--- a/report/DevZone.pptx
+++ b/report/DevZone.pptx
@@ -6642,12 +6642,16 @@
           <a:p>
             <a:pPr lvl="1"/>
             <a:r>
-              <a:rPr lang="zh-TW" altLang="en-US" sz="2800" dirty="0">
+              <a:rPr lang="zh-TW" altLang="en-US" sz="2800">
                 <a:latin typeface="Noto Sans CJK TC Light" panose="020B0300000000000000" pitchFamily="34" charset="-120"/>
                 <a:ea typeface="Noto Sans CJK TC Light" panose="020B0300000000000000" pitchFamily="34" charset="-120"/>
               </a:rPr>
-              <a:t>新增功能的話</a:t>
-            </a:r>
+              <a:t>新增功能</a:t>
+            </a:r>
+            <a:endParaRPr lang="zh-TW" altLang="en-US" sz="2800" dirty="0">
+              <a:latin typeface="Noto Sans CJK TC Light" panose="020B0300000000000000" pitchFamily="34" charset="-120"/>
+              <a:ea typeface="Noto Sans CJK TC Light" panose="020B0300000000000000" pitchFamily="34" charset="-120"/>
+            </a:endParaRPr>
           </a:p>
         </p:txBody>
       </p:sp>
